--- a/KSJ/레벨디자인.pptx
+++ b/KSJ/레벨디자인.pptx
@@ -106,6 +106,11 @@
       </a:defRPr>
     </a:lvl9pPr>
   </p:defaultTextStyle>
+  <p:extLst>
+    <p:ext uri="{EFAFB233-063F-42B5-8137-9DF3F51BA10A}">
+      <p15:sldGuideLst xmlns:p15="http://schemas.microsoft.com/office/powerpoint/2012/main"/>
+    </p:ext>
+  </p:extLst>
 </p:presentation>
 </file>
 
@@ -256,7 +261,7 @@
           <a:p>
             <a:fld id="{C4AEB2C5-411D-4990-95A7-F42154C25219}" type="datetimeFigureOut">
               <a:rPr lang="ko-KR" altLang="en-US" smtClean="0"/>
-              <a:t>2020-08-21</a:t>
+              <a:t>2020-09-04</a:t>
             </a:fld>
             <a:endParaRPr lang="ko-KR" altLang="en-US"/>
           </a:p>
@@ -454,7 +459,7 @@
           <a:p>
             <a:fld id="{C4AEB2C5-411D-4990-95A7-F42154C25219}" type="datetimeFigureOut">
               <a:rPr lang="ko-KR" altLang="en-US" smtClean="0"/>
-              <a:t>2020-08-21</a:t>
+              <a:t>2020-09-04</a:t>
             </a:fld>
             <a:endParaRPr lang="ko-KR" altLang="en-US"/>
           </a:p>
@@ -662,7 +667,7 @@
           <a:p>
             <a:fld id="{C4AEB2C5-411D-4990-95A7-F42154C25219}" type="datetimeFigureOut">
               <a:rPr lang="ko-KR" altLang="en-US" smtClean="0"/>
-              <a:t>2020-08-21</a:t>
+              <a:t>2020-09-04</a:t>
             </a:fld>
             <a:endParaRPr lang="ko-KR" altLang="en-US"/>
           </a:p>
@@ -860,7 +865,7 @@
           <a:p>
             <a:fld id="{C4AEB2C5-411D-4990-95A7-F42154C25219}" type="datetimeFigureOut">
               <a:rPr lang="ko-KR" altLang="en-US" smtClean="0"/>
-              <a:t>2020-08-21</a:t>
+              <a:t>2020-09-04</a:t>
             </a:fld>
             <a:endParaRPr lang="ko-KR" altLang="en-US"/>
           </a:p>
@@ -1135,7 +1140,7 @@
           <a:p>
             <a:fld id="{C4AEB2C5-411D-4990-95A7-F42154C25219}" type="datetimeFigureOut">
               <a:rPr lang="ko-KR" altLang="en-US" smtClean="0"/>
-              <a:t>2020-08-21</a:t>
+              <a:t>2020-09-04</a:t>
             </a:fld>
             <a:endParaRPr lang="ko-KR" altLang="en-US"/>
           </a:p>
@@ -1400,7 +1405,7 @@
           <a:p>
             <a:fld id="{C4AEB2C5-411D-4990-95A7-F42154C25219}" type="datetimeFigureOut">
               <a:rPr lang="ko-KR" altLang="en-US" smtClean="0"/>
-              <a:t>2020-08-21</a:t>
+              <a:t>2020-09-04</a:t>
             </a:fld>
             <a:endParaRPr lang="ko-KR" altLang="en-US"/>
           </a:p>
@@ -1812,7 +1817,7 @@
           <a:p>
             <a:fld id="{C4AEB2C5-411D-4990-95A7-F42154C25219}" type="datetimeFigureOut">
               <a:rPr lang="ko-KR" altLang="en-US" smtClean="0"/>
-              <a:t>2020-08-21</a:t>
+              <a:t>2020-09-04</a:t>
             </a:fld>
             <a:endParaRPr lang="ko-KR" altLang="en-US"/>
           </a:p>
@@ -1953,7 +1958,7 @@
           <a:p>
             <a:fld id="{C4AEB2C5-411D-4990-95A7-F42154C25219}" type="datetimeFigureOut">
               <a:rPr lang="ko-KR" altLang="en-US" smtClean="0"/>
-              <a:t>2020-08-21</a:t>
+              <a:t>2020-09-04</a:t>
             </a:fld>
             <a:endParaRPr lang="ko-KR" altLang="en-US"/>
           </a:p>
@@ -2066,7 +2071,7 @@
           <a:p>
             <a:fld id="{C4AEB2C5-411D-4990-95A7-F42154C25219}" type="datetimeFigureOut">
               <a:rPr lang="ko-KR" altLang="en-US" smtClean="0"/>
-              <a:t>2020-08-21</a:t>
+              <a:t>2020-09-04</a:t>
             </a:fld>
             <a:endParaRPr lang="ko-KR" altLang="en-US"/>
           </a:p>
@@ -2377,7 +2382,7 @@
           <a:p>
             <a:fld id="{C4AEB2C5-411D-4990-95A7-F42154C25219}" type="datetimeFigureOut">
               <a:rPr lang="ko-KR" altLang="en-US" smtClean="0"/>
-              <a:t>2020-08-21</a:t>
+              <a:t>2020-09-04</a:t>
             </a:fld>
             <a:endParaRPr lang="ko-KR" altLang="en-US"/>
           </a:p>
@@ -2665,7 +2670,7 @@
           <a:p>
             <a:fld id="{C4AEB2C5-411D-4990-95A7-F42154C25219}" type="datetimeFigureOut">
               <a:rPr lang="ko-KR" altLang="en-US" smtClean="0"/>
-              <a:t>2020-08-21</a:t>
+              <a:t>2020-09-04</a:t>
             </a:fld>
             <a:endParaRPr lang="ko-KR" altLang="en-US"/>
           </a:p>
@@ -2906,7 +2911,7 @@
           <a:p>
             <a:fld id="{C4AEB2C5-411D-4990-95A7-F42154C25219}" type="datetimeFigureOut">
               <a:rPr lang="ko-KR" altLang="en-US" smtClean="0"/>
-              <a:t>2020-08-21</a:t>
+              <a:t>2020-09-04</a:t>
             </a:fld>
             <a:endParaRPr lang="ko-KR" altLang="en-US"/>
           </a:p>
@@ -3323,51 +3328,22 @@
           <a:chExt cx="0" cy="0"/>
         </a:xfrm>
       </p:grpSpPr>
-      <p:pic>
-        <p:nvPicPr>
-          <p:cNvPr id="6" name="그림 5">
-            <a:extLst>
-              <a:ext uri="{FF2B5EF4-FFF2-40B4-BE49-F238E27FC236}">
-                <a16:creationId xmlns:a16="http://schemas.microsoft.com/office/drawing/2014/main" id="{8313EEFF-C0FF-4FF8-8A53-BC163943935D}"/>
-              </a:ext>
-            </a:extLst>
-          </p:cNvPr>
-          <p:cNvPicPr>
-            <a:picLocks noChangeAspect="1"/>
-          </p:cNvPicPr>
+      <p:sp>
+        <p:nvSpPr>
+          <p:cNvPr id="7" name="TextBox 6">
+            <a:extLst>
+              <a:ext uri="{FF2B5EF4-FFF2-40B4-BE49-F238E27FC236}">
+                <a16:creationId xmlns:a16="http://schemas.microsoft.com/office/drawing/2014/main" id="{AFC22662-ACE4-4743-B171-B15651ECD2FC}"/>
+              </a:ext>
+            </a:extLst>
+          </p:cNvPr>
+          <p:cNvSpPr txBox="1"/>
           <p:nvPr/>
-        </p:nvPicPr>
-        <p:blipFill rotWithShape="1">
-          <a:blip r:embed="rId2"/>
-          <a:srcRect l="23333" t="17509" r="23485" b="11784"/>
-          <a:stretch/>
-        </p:blipFill>
+        </p:nvSpPr>
         <p:spPr>
           <a:xfrm>
-            <a:off x="341745" y="1071417"/>
-            <a:ext cx="6160656" cy="4607329"/>
-          </a:xfrm>
-          <a:prstGeom prst="rect">
-            <a:avLst/>
-          </a:prstGeom>
-        </p:spPr>
-      </p:pic>
-      <p:sp>
-        <p:nvSpPr>
-          <p:cNvPr id="7" name="TextBox 6">
-            <a:extLst>
-              <a:ext uri="{FF2B5EF4-FFF2-40B4-BE49-F238E27FC236}">
-                <a16:creationId xmlns:a16="http://schemas.microsoft.com/office/drawing/2014/main" id="{AFC22662-ACE4-4743-B171-B15651ECD2FC}"/>
-              </a:ext>
-            </a:extLst>
-          </p:cNvPr>
-          <p:cNvSpPr txBox="1"/>
-          <p:nvPr/>
-        </p:nvSpPr>
-        <p:spPr>
-          <a:xfrm>
-            <a:off x="175491" y="157018"/>
-            <a:ext cx="1520544" cy="584775"/>
+            <a:off x="480291" y="388178"/>
+            <a:ext cx="1845442" cy="523220"/>
           </a:xfrm>
           <a:prstGeom prst="rect">
             <a:avLst/>
@@ -3381,41 +3357,94 @@
           <a:lstStyle/>
           <a:p>
             <a:r>
-              <a:rPr lang="en-US" altLang="ko-KR" sz="3200" dirty="0"/>
-              <a:t>Level_1</a:t>
-            </a:r>
-          </a:p>
-        </p:txBody>
-      </p:sp>
-      <p:pic>
-        <p:nvPicPr>
-          <p:cNvPr id="8" name="그림 7">
-            <a:extLst>
-              <a:ext uri="{FF2B5EF4-FFF2-40B4-BE49-F238E27FC236}">
-                <a16:creationId xmlns:a16="http://schemas.microsoft.com/office/drawing/2014/main" id="{2F784E6C-EA58-44BA-9F5C-F8A02033DAB6}"/>
-              </a:ext>
-            </a:extLst>
-          </p:cNvPr>
-          <p:cNvPicPr>
-            <a:picLocks noChangeAspect="1"/>
-          </p:cNvPicPr>
+              <a:rPr lang="en-US" altLang="ko-KR" sz="2800" dirty="0">
+                <a:latin typeface="KoPub돋움체_Pro Bold" panose="00000800000000000000" pitchFamily="50" charset="-127"/>
+                <a:ea typeface="KoPub돋움체_Pro Bold" panose="00000800000000000000" pitchFamily="50" charset="-127"/>
+              </a:rPr>
+              <a:t>[ Level_1 ]</a:t>
+            </a:r>
+          </a:p>
+        </p:txBody>
+      </p:sp>
+      <p:grpSp>
+        <p:nvGrpSpPr>
+          <p:cNvPr id="2" name="그룹 1">
+            <a:extLst>
+              <a:ext uri="{FF2B5EF4-FFF2-40B4-BE49-F238E27FC236}">
+                <a16:creationId xmlns:a16="http://schemas.microsoft.com/office/drawing/2014/main" id="{B1092719-6E5D-49F3-89E6-2EC3EBCF7CBF}"/>
+              </a:ext>
+            </a:extLst>
+          </p:cNvPr>
+          <p:cNvGrpSpPr/>
           <p:nvPr/>
-        </p:nvPicPr>
-        <p:blipFill rotWithShape="1">
-          <a:blip r:embed="rId3"/>
-          <a:srcRect l="30530" r="30834"/>
-          <a:stretch/>
-        </p:blipFill>
-        <p:spPr>
+        </p:nvGrpSpPr>
+        <p:grpSpPr>
           <a:xfrm>
-            <a:off x="6879743" y="1071417"/>
-            <a:ext cx="4434825" cy="4607329"/>
+            <a:off x="609589" y="1365481"/>
+            <a:ext cx="10972823" cy="4607329"/>
+            <a:chOff x="341745" y="1071417"/>
+            <a:chExt cx="10972823" cy="4607329"/>
           </a:xfrm>
-          <a:prstGeom prst="rect">
-            <a:avLst/>
-          </a:prstGeom>
-        </p:spPr>
-      </p:pic>
+        </p:grpSpPr>
+        <p:pic>
+          <p:nvPicPr>
+            <p:cNvPr id="6" name="그림 5">
+              <a:extLst>
+                <a:ext uri="{FF2B5EF4-FFF2-40B4-BE49-F238E27FC236}">
+                  <a16:creationId xmlns:a16="http://schemas.microsoft.com/office/drawing/2014/main" id="{8313EEFF-C0FF-4FF8-8A53-BC163943935D}"/>
+                </a:ext>
+              </a:extLst>
+            </p:cNvPr>
+            <p:cNvPicPr>
+              <a:picLocks noChangeAspect="1"/>
+            </p:cNvPicPr>
+            <p:nvPr/>
+          </p:nvPicPr>
+          <p:blipFill rotWithShape="1">
+            <a:blip r:embed="rId2"/>
+            <a:srcRect l="23333" t="17509" r="23485" b="11784"/>
+            <a:stretch/>
+          </p:blipFill>
+          <p:spPr>
+            <a:xfrm>
+              <a:off x="341745" y="1071417"/>
+              <a:ext cx="6160656" cy="4607329"/>
+            </a:xfrm>
+            <a:prstGeom prst="rect">
+              <a:avLst/>
+            </a:prstGeom>
+          </p:spPr>
+        </p:pic>
+        <p:pic>
+          <p:nvPicPr>
+            <p:cNvPr id="8" name="그림 7">
+              <a:extLst>
+                <a:ext uri="{FF2B5EF4-FFF2-40B4-BE49-F238E27FC236}">
+                  <a16:creationId xmlns:a16="http://schemas.microsoft.com/office/drawing/2014/main" id="{2F784E6C-EA58-44BA-9F5C-F8A02033DAB6}"/>
+                </a:ext>
+              </a:extLst>
+            </p:cNvPr>
+            <p:cNvPicPr>
+              <a:picLocks noChangeAspect="1"/>
+            </p:cNvPicPr>
+            <p:nvPr/>
+          </p:nvPicPr>
+          <p:blipFill rotWithShape="1">
+            <a:blip r:embed="rId3"/>
+            <a:srcRect l="30530" r="30834"/>
+            <a:stretch/>
+          </p:blipFill>
+          <p:spPr>
+            <a:xfrm>
+              <a:off x="6879743" y="1071417"/>
+              <a:ext cx="4434825" cy="4607329"/>
+            </a:xfrm>
+            <a:prstGeom prst="rect">
+              <a:avLst/>
+            </a:prstGeom>
+          </p:spPr>
+        </p:pic>
+      </p:grpSp>
     </p:spTree>
     <p:extLst>
       <p:ext uri="{BB962C8B-B14F-4D97-AF65-F5344CB8AC3E}">
@@ -3446,80 +3475,101 @@
           <a:chExt cx="0" cy="0"/>
         </a:xfrm>
       </p:grpSpPr>
-      <p:pic>
-        <p:nvPicPr>
-          <p:cNvPr id="12" name="그림 11">
-            <a:extLst>
-              <a:ext uri="{FF2B5EF4-FFF2-40B4-BE49-F238E27FC236}">
-                <a16:creationId xmlns:a16="http://schemas.microsoft.com/office/drawing/2014/main" id="{6D7A4802-AE39-44C4-AB2D-52CD8D898EFD}"/>
-              </a:ext>
-            </a:extLst>
-          </p:cNvPr>
-          <p:cNvPicPr>
-            <a:picLocks noChangeAspect="1"/>
-          </p:cNvPicPr>
+      <p:grpSp>
+        <p:nvGrpSpPr>
+          <p:cNvPr id="3" name="그룹 2">
+            <a:extLst>
+              <a:ext uri="{FF2B5EF4-FFF2-40B4-BE49-F238E27FC236}">
+                <a16:creationId xmlns:a16="http://schemas.microsoft.com/office/drawing/2014/main" id="{E6655375-A1C7-4F09-BF4C-18846915056F}"/>
+              </a:ext>
+            </a:extLst>
+          </p:cNvPr>
+          <p:cNvGrpSpPr/>
           <p:nvPr/>
-        </p:nvPicPr>
-        <p:blipFill rotWithShape="1">
-          <a:blip r:embed="rId2"/>
-          <a:srcRect l="4737" r="4737"/>
-          <a:stretch/>
-        </p:blipFill>
+        </p:nvGrpSpPr>
+        <p:grpSpPr>
+          <a:xfrm>
+            <a:off x="609589" y="1365481"/>
+            <a:ext cx="10972823" cy="4607330"/>
+            <a:chOff x="341746" y="1071417"/>
+            <a:chExt cx="10972823" cy="4607330"/>
+          </a:xfrm>
+        </p:grpSpPr>
+        <p:pic>
+          <p:nvPicPr>
+            <p:cNvPr id="12" name="그림 11">
+              <a:extLst>
+                <a:ext uri="{FF2B5EF4-FFF2-40B4-BE49-F238E27FC236}">
+                  <a16:creationId xmlns:a16="http://schemas.microsoft.com/office/drawing/2014/main" id="{6D7A4802-AE39-44C4-AB2D-52CD8D898EFD}"/>
+                </a:ext>
+              </a:extLst>
+            </p:cNvPr>
+            <p:cNvPicPr>
+              <a:picLocks noChangeAspect="1"/>
+            </p:cNvPicPr>
+            <p:nvPr/>
+          </p:nvPicPr>
+          <p:blipFill rotWithShape="1">
+            <a:blip r:embed="rId2"/>
+            <a:srcRect l="4737" r="4737"/>
+            <a:stretch/>
+          </p:blipFill>
+          <p:spPr>
+            <a:xfrm>
+              <a:off x="6889000" y="1074421"/>
+              <a:ext cx="4425569" cy="4604326"/>
+            </a:xfrm>
+            <a:prstGeom prst="rect">
+              <a:avLst/>
+            </a:prstGeom>
+          </p:spPr>
+        </p:pic>
+        <p:pic>
+          <p:nvPicPr>
+            <p:cNvPr id="10" name="그림 9">
+              <a:extLst>
+                <a:ext uri="{FF2B5EF4-FFF2-40B4-BE49-F238E27FC236}">
+                  <a16:creationId xmlns:a16="http://schemas.microsoft.com/office/drawing/2014/main" id="{F297CE6C-676F-43DB-AB01-87F18EC3AD72}"/>
+                </a:ext>
+              </a:extLst>
+            </p:cNvPr>
+            <p:cNvPicPr>
+              <a:picLocks noChangeAspect="1"/>
+            </p:cNvPicPr>
+            <p:nvPr/>
+          </p:nvPicPr>
+          <p:blipFill rotWithShape="1">
+            <a:blip r:embed="rId3"/>
+            <a:srcRect l="23594" t="18194" r="23515" b="11485"/>
+            <a:stretch/>
+          </p:blipFill>
+          <p:spPr>
+            <a:xfrm>
+              <a:off x="341746" y="1071417"/>
+              <a:ext cx="6160656" cy="4607329"/>
+            </a:xfrm>
+            <a:prstGeom prst="rect">
+              <a:avLst/>
+            </a:prstGeom>
+          </p:spPr>
+        </p:pic>
+      </p:grpSp>
+      <p:sp>
+        <p:nvSpPr>
+          <p:cNvPr id="6" name="TextBox 5">
+            <a:extLst>
+              <a:ext uri="{FF2B5EF4-FFF2-40B4-BE49-F238E27FC236}">
+                <a16:creationId xmlns:a16="http://schemas.microsoft.com/office/drawing/2014/main" id="{01057F3C-F223-4F59-AC08-CD2203CE4318}"/>
+              </a:ext>
+            </a:extLst>
+          </p:cNvPr>
+          <p:cNvSpPr txBox="1"/>
+          <p:nvPr/>
+        </p:nvSpPr>
         <p:spPr>
           <a:xfrm>
-            <a:off x="6889000" y="1074421"/>
-            <a:ext cx="4425569" cy="4604326"/>
-          </a:xfrm>
-          <a:prstGeom prst="rect">
-            <a:avLst/>
-          </a:prstGeom>
-        </p:spPr>
-      </p:pic>
-      <p:pic>
-        <p:nvPicPr>
-          <p:cNvPr id="10" name="그림 9">
-            <a:extLst>
-              <a:ext uri="{FF2B5EF4-FFF2-40B4-BE49-F238E27FC236}">
-                <a16:creationId xmlns:a16="http://schemas.microsoft.com/office/drawing/2014/main" id="{F297CE6C-676F-43DB-AB01-87F18EC3AD72}"/>
-              </a:ext>
-            </a:extLst>
-          </p:cNvPr>
-          <p:cNvPicPr>
-            <a:picLocks noChangeAspect="1"/>
-          </p:cNvPicPr>
-          <p:nvPr/>
-        </p:nvPicPr>
-        <p:blipFill rotWithShape="1">
-          <a:blip r:embed="rId3"/>
-          <a:srcRect l="23594" t="18194" r="23515" b="11485"/>
-          <a:stretch/>
-        </p:blipFill>
-        <p:spPr>
-          <a:xfrm>
-            <a:off x="341746" y="1071417"/>
-            <a:ext cx="6160656" cy="4607329"/>
-          </a:xfrm>
-          <a:prstGeom prst="rect">
-            <a:avLst/>
-          </a:prstGeom>
-        </p:spPr>
-      </p:pic>
-      <p:sp>
-        <p:nvSpPr>
-          <p:cNvPr id="2" name="TextBox 1">
-            <a:extLst>
-              <a:ext uri="{FF2B5EF4-FFF2-40B4-BE49-F238E27FC236}">
-                <a16:creationId xmlns:a16="http://schemas.microsoft.com/office/drawing/2014/main" id="{95EE0AEB-0D28-41C6-8686-97F446ECC0E1}"/>
-              </a:ext>
-            </a:extLst>
-          </p:cNvPr>
-          <p:cNvSpPr txBox="1"/>
-          <p:nvPr/>
-        </p:nvSpPr>
-        <p:spPr>
-          <a:xfrm>
-            <a:off x="175491" y="157018"/>
-            <a:ext cx="1520544" cy="584775"/>
+            <a:off x="480291" y="388178"/>
+            <a:ext cx="1845442" cy="523220"/>
           </a:xfrm>
           <a:prstGeom prst="rect">
             <a:avLst/>
@@ -3533,8 +3583,11 @@
           <a:lstStyle/>
           <a:p>
             <a:r>
-              <a:rPr lang="en-US" altLang="ko-KR" sz="3200" dirty="0"/>
-              <a:t>Level_2</a:t>
+              <a:rPr lang="en-US" altLang="ko-KR" sz="2800" dirty="0">
+                <a:latin typeface="KoPub돋움체_Pro Bold" panose="00000800000000000000" pitchFamily="50" charset="-127"/>
+                <a:ea typeface="KoPub돋움체_Pro Bold" panose="00000800000000000000" pitchFamily="50" charset="-127"/>
+              </a:rPr>
+              <a:t>[ Level_2 ]</a:t>
             </a:r>
           </a:p>
         </p:txBody>
@@ -3569,51 +3622,101 @@
           <a:chExt cx="0" cy="0"/>
         </a:xfrm>
       </p:grpSpPr>
-      <p:pic>
-        <p:nvPicPr>
-          <p:cNvPr id="11" name="그림 10">
-            <a:extLst>
-              <a:ext uri="{FF2B5EF4-FFF2-40B4-BE49-F238E27FC236}">
-                <a16:creationId xmlns:a16="http://schemas.microsoft.com/office/drawing/2014/main" id="{0707BF3B-F4C8-47DB-B7A2-1AE120BFDE9D}"/>
-              </a:ext>
-            </a:extLst>
-          </p:cNvPr>
-          <p:cNvPicPr>
-            <a:picLocks noChangeAspect="1"/>
-          </p:cNvPicPr>
+      <p:grpSp>
+        <p:nvGrpSpPr>
+          <p:cNvPr id="3" name="그룹 2">
+            <a:extLst>
+              <a:ext uri="{FF2B5EF4-FFF2-40B4-BE49-F238E27FC236}">
+                <a16:creationId xmlns:a16="http://schemas.microsoft.com/office/drawing/2014/main" id="{E601A069-CDB4-4B71-ACBC-5549500518DA}"/>
+              </a:ext>
+            </a:extLst>
+          </p:cNvPr>
+          <p:cNvGrpSpPr/>
           <p:nvPr/>
-        </p:nvPicPr>
-        <p:blipFill rotWithShape="1">
-          <a:blip r:embed="rId2"/>
-          <a:srcRect l="27751" r="6253" b="1010"/>
-          <a:stretch/>
-        </p:blipFill>
+        </p:nvGrpSpPr>
+        <p:grpSpPr>
+          <a:xfrm>
+            <a:off x="609589" y="1365480"/>
+            <a:ext cx="10972823" cy="4607329"/>
+            <a:chOff x="341745" y="1071417"/>
+            <a:chExt cx="10972823" cy="4607329"/>
+          </a:xfrm>
+        </p:grpSpPr>
+        <p:pic>
+          <p:nvPicPr>
+            <p:cNvPr id="11" name="그림 10">
+              <a:extLst>
+                <a:ext uri="{FF2B5EF4-FFF2-40B4-BE49-F238E27FC236}">
+                  <a16:creationId xmlns:a16="http://schemas.microsoft.com/office/drawing/2014/main" id="{0707BF3B-F4C8-47DB-B7A2-1AE120BFDE9D}"/>
+                </a:ext>
+              </a:extLst>
+            </p:cNvPr>
+            <p:cNvPicPr>
+              <a:picLocks noChangeAspect="1"/>
+            </p:cNvPicPr>
+            <p:nvPr/>
+          </p:nvPicPr>
+          <p:blipFill rotWithShape="1">
+            <a:blip r:embed="rId2"/>
+            <a:srcRect l="27751" r="6253" b="1010"/>
+            <a:stretch/>
+          </p:blipFill>
+          <p:spPr>
+            <a:xfrm>
+              <a:off x="6879743" y="1071417"/>
+              <a:ext cx="4434825" cy="4607329"/>
+            </a:xfrm>
+            <a:prstGeom prst="rect">
+              <a:avLst/>
+            </a:prstGeom>
+          </p:spPr>
+        </p:pic>
+        <p:pic>
+          <p:nvPicPr>
+            <p:cNvPr id="9" name="그림 8">
+              <a:extLst>
+                <a:ext uri="{FF2B5EF4-FFF2-40B4-BE49-F238E27FC236}">
+                  <a16:creationId xmlns:a16="http://schemas.microsoft.com/office/drawing/2014/main" id="{53209D93-9671-4E8D-9219-0AEC6E194C40}"/>
+                </a:ext>
+              </a:extLst>
+            </p:cNvPr>
+            <p:cNvPicPr>
+              <a:picLocks noChangeAspect="1"/>
+            </p:cNvPicPr>
+            <p:nvPr/>
+          </p:nvPicPr>
+          <p:blipFill rotWithShape="1">
+            <a:blip r:embed="rId3"/>
+            <a:srcRect l="23594" t="18193" r="23437" b="11383"/>
+            <a:stretch/>
+          </p:blipFill>
+          <p:spPr>
+            <a:xfrm>
+              <a:off x="341745" y="1071417"/>
+              <a:ext cx="6160656" cy="4607329"/>
+            </a:xfrm>
+            <a:prstGeom prst="rect">
+              <a:avLst/>
+            </a:prstGeom>
+          </p:spPr>
+        </p:pic>
+      </p:grpSp>
+      <p:sp>
+        <p:nvSpPr>
+          <p:cNvPr id="7" name="TextBox 6">
+            <a:extLst>
+              <a:ext uri="{FF2B5EF4-FFF2-40B4-BE49-F238E27FC236}">
+                <a16:creationId xmlns:a16="http://schemas.microsoft.com/office/drawing/2014/main" id="{81617A40-F2C3-4ACE-AB24-2DA2461F49CC}"/>
+              </a:ext>
+            </a:extLst>
+          </p:cNvPr>
+          <p:cNvSpPr txBox="1"/>
+          <p:nvPr/>
+        </p:nvSpPr>
         <p:spPr>
           <a:xfrm>
-            <a:off x="6879743" y="1071417"/>
-            <a:ext cx="4434825" cy="4607329"/>
-          </a:xfrm>
-          <a:prstGeom prst="rect">
-            <a:avLst/>
-          </a:prstGeom>
-        </p:spPr>
-      </p:pic>
-      <p:sp>
-        <p:nvSpPr>
-          <p:cNvPr id="2" name="TextBox 1">
-            <a:extLst>
-              <a:ext uri="{FF2B5EF4-FFF2-40B4-BE49-F238E27FC236}">
-                <a16:creationId xmlns:a16="http://schemas.microsoft.com/office/drawing/2014/main" id="{FD967218-758A-4866-87C1-F56F131FF53B}"/>
-              </a:ext>
-            </a:extLst>
-          </p:cNvPr>
-          <p:cNvSpPr txBox="1"/>
-          <p:nvPr/>
-        </p:nvSpPr>
-        <p:spPr>
-          <a:xfrm>
-            <a:off x="175491" y="157018"/>
-            <a:ext cx="1520544" cy="584775"/>
+            <a:off x="480291" y="388178"/>
+            <a:ext cx="1845442" cy="523220"/>
           </a:xfrm>
           <a:prstGeom prst="rect">
             <a:avLst/>
@@ -3627,70 +3730,15 @@
           <a:lstStyle/>
           <a:p>
             <a:r>
-              <a:rPr lang="en-US" altLang="ko-KR" sz="3200" dirty="0"/>
-              <a:t>Level_3</a:t>
-            </a:r>
-          </a:p>
-        </p:txBody>
-      </p:sp>
-      <p:pic>
-        <p:nvPicPr>
-          <p:cNvPr id="4" name="그림 3">
-            <a:extLst>
-              <a:ext uri="{FF2B5EF4-FFF2-40B4-BE49-F238E27FC236}">
-                <a16:creationId xmlns:a16="http://schemas.microsoft.com/office/drawing/2014/main" id="{E243392A-ACB7-41DB-A3A6-B5D8B23CE7F2}"/>
-              </a:ext>
-            </a:extLst>
-          </p:cNvPr>
-          <p:cNvPicPr>
-            <a:picLocks noChangeAspect="1"/>
-          </p:cNvPicPr>
-          <p:nvPr/>
-        </p:nvPicPr>
-        <p:blipFill rotWithShape="1">
-          <a:blip r:embed="rId3"/>
-          <a:srcRect l="23333" t="17509" r="23485" b="11784"/>
-          <a:stretch/>
-        </p:blipFill>
-        <p:spPr>
-          <a:xfrm>
-            <a:off x="341745" y="1071417"/>
-            <a:ext cx="6160656" cy="4607329"/>
-          </a:xfrm>
-          <a:prstGeom prst="rect">
-            <a:avLst/>
-          </a:prstGeom>
-        </p:spPr>
-      </p:pic>
-      <p:pic>
-        <p:nvPicPr>
-          <p:cNvPr id="9" name="그림 8">
-            <a:extLst>
-              <a:ext uri="{FF2B5EF4-FFF2-40B4-BE49-F238E27FC236}">
-                <a16:creationId xmlns:a16="http://schemas.microsoft.com/office/drawing/2014/main" id="{53209D93-9671-4E8D-9219-0AEC6E194C40}"/>
-              </a:ext>
-            </a:extLst>
-          </p:cNvPr>
-          <p:cNvPicPr>
-            <a:picLocks noChangeAspect="1"/>
-          </p:cNvPicPr>
-          <p:nvPr/>
-        </p:nvPicPr>
-        <p:blipFill rotWithShape="1">
-          <a:blip r:embed="rId4"/>
-          <a:srcRect l="23594" t="18193" r="23437" b="11383"/>
-          <a:stretch/>
-        </p:blipFill>
-        <p:spPr>
-          <a:xfrm>
-            <a:off x="341745" y="1071417"/>
-            <a:ext cx="6160656" cy="4607329"/>
-          </a:xfrm>
-          <a:prstGeom prst="rect">
-            <a:avLst/>
-          </a:prstGeom>
-        </p:spPr>
-      </p:pic>
+              <a:rPr lang="en-US" altLang="ko-KR" sz="2800" dirty="0">
+                <a:latin typeface="KoPub돋움체_Pro Bold" panose="00000800000000000000" pitchFamily="50" charset="-127"/>
+                <a:ea typeface="KoPub돋움체_Pro Bold" panose="00000800000000000000" pitchFamily="50" charset="-127"/>
+              </a:rPr>
+              <a:t>[ Level_3 ]</a:t>
+            </a:r>
+          </a:p>
+        </p:txBody>
+      </p:sp>
     </p:spTree>
     <p:extLst>
       <p:ext uri="{BB962C8B-B14F-4D97-AF65-F5344CB8AC3E}">
